--- a/TL07.pptx
+++ b/TL07.pptx
@@ -34,7 +34,7 @@
     <p:sldId id="283" r:id="rId25"/>
     <p:sldId id="282" r:id="rId26"/>
     <p:sldId id="285" r:id="rId27"/>
-    <p:sldId id="284" r:id="rId28"/>
+    <p:sldId id="288" r:id="rId28"/>
     <p:sldId id="257" r:id="rId29"/>
   </p:sldIdLst>
   <p:sldSz cx="12192000" cy="6858000"/>
@@ -228,7 +228,7 @@
           <a:p>
             <a:fld id="{AF92235E-F51F-4EE3-A9D1-34511420EE15}" type="datetimeFigureOut">
               <a:rPr kumimoji="1" lang="ja-JP" altLang="en-US" smtClean="0"/>
-              <a:t>2017/5/23</a:t>
+              <a:t>2017/5/24</a:t>
             </a:fld>
             <a:endParaRPr kumimoji="1" lang="ja-JP" altLang="en-US" dirty="0"/>
           </a:p>
@@ -4564,7 +4564,7 @@
           <a:p>
             <a:fld id="{3A7CB22E-FF9D-480E-B7B0-664AB4693730}" type="datetimeFigureOut">
               <a:rPr kumimoji="1" lang="ja-JP" altLang="en-US" smtClean="0"/>
-              <a:t>2017/5/23</a:t>
+              <a:t>2017/5/24</a:t>
             </a:fld>
             <a:endParaRPr kumimoji="1" lang="ja-JP" altLang="en-US" dirty="0"/>
           </a:p>
@@ -11171,62 +11171,6 @@
       </p:grpSpPr>
       <p:sp>
         <p:nvSpPr>
-          <p:cNvPr id="5" name="テキスト プレースホルダー 4"/>
-          <p:cNvSpPr>
-            <a:spLocks noGrp="1"/>
-          </p:cNvSpPr>
-          <p:nvPr>
-            <p:ph type="body" sz="quarter" idx="10"/>
-          </p:nvPr>
-        </p:nvSpPr>
-        <p:spPr>
-          <a:xfrm>
-            <a:off x="269239" y="1189177"/>
-            <a:ext cx="11653523" cy="3355406"/>
-          </a:xfrm>
-        </p:spPr>
-        <p:txBody>
-          <a:bodyPr/>
-          <a:lstStyle/>
-          <a:p>
-            <a:r>
-              <a:rPr lang="ja-JP" altLang="en-US" dirty="0"/>
-              <a:t>資料</a:t>
-            </a:r>
-            <a:br>
-              <a:rPr lang="en-US" altLang="ja-JP" dirty="0"/>
-            </a:br>
-            <a:r>
-              <a:rPr lang="en-US" altLang="ja-JP" dirty="0">
-                <a:hlinkClick r:id="rId2"/>
-              </a:rPr>
-              <a:t>http://bit.ly/decode2017-TL07</a:t>
-            </a:r>
-            <a:endParaRPr lang="en-US" altLang="ja-JP" dirty="0"/>
-          </a:p>
-          <a:p>
-            <a:r>
-              <a:rPr lang="en-US" altLang="ja-JP"/>
-              <a:t>LIVE</a:t>
-            </a:r>
-            <a:br>
-              <a:rPr lang="en-US" altLang="ja-JP" dirty="0"/>
-            </a:br>
-            <a:r>
-              <a:rPr lang="en-US" altLang="ja-JP" dirty="0">
-                <a:hlinkClick r:id="rId3"/>
-              </a:rPr>
-              <a:t>https://github.com/commerble/decode2017</a:t>
-            </a:r>
-            <a:endParaRPr lang="en-US" altLang="ja-JP" dirty="0"/>
-          </a:p>
-          <a:p>
-            <a:endParaRPr lang="en-US" altLang="ja-JP" dirty="0"/>
-          </a:p>
-        </p:txBody>
-      </p:sp>
-      <p:sp>
-        <p:nvSpPr>
           <p:cNvPr id="4" name="タイトル 3"/>
           <p:cNvSpPr>
             <a:spLocks noGrp="1"/>
@@ -11244,6 +11188,39 @@
               <a:rPr kumimoji="1" lang="ja-JP" altLang="en-US" dirty="0"/>
               <a:t>参考</a:t>
             </a:r>
+          </a:p>
+        </p:txBody>
+      </p:sp>
+      <p:sp>
+        <p:nvSpPr>
+          <p:cNvPr id="5" name="テキスト プレースホルダー 4"/>
+          <p:cNvSpPr>
+            <a:spLocks noGrp="1"/>
+          </p:cNvSpPr>
+          <p:nvPr>
+            <p:ph type="body" sz="quarter" idx="10"/>
+          </p:nvPr>
+        </p:nvSpPr>
+        <p:spPr>
+          <a:xfrm>
+            <a:off x="269239" y="1189177"/>
+            <a:ext cx="11653523" cy="1468351"/>
+          </a:xfrm>
+        </p:spPr>
+        <p:txBody>
+          <a:bodyPr/>
+          <a:lstStyle/>
+          <a:p>
+            <a:r>
+              <a:rPr lang="en-US" altLang="ja-JP">
+                <a:hlinkClick r:id="rId2"/>
+              </a:rPr>
+              <a:t>http://bit.ly/decode2017-tl07</a:t>
+            </a:r>
+            <a:endParaRPr lang="en-US" altLang="ja-JP"/>
+          </a:p>
+          <a:p>
+            <a:endParaRPr lang="en-US" altLang="ja-JP" dirty="0"/>
           </a:p>
         </p:txBody>
       </p:sp>
@@ -12463,62 +12440,6 @@
       </p:grpSpPr>
       <p:sp>
         <p:nvSpPr>
-          <p:cNvPr id="5" name="テキスト プレースホルダー 4"/>
-          <p:cNvSpPr>
-            <a:spLocks noGrp="1"/>
-          </p:cNvSpPr>
-          <p:nvPr>
-            <p:ph type="body" sz="quarter" idx="10"/>
-          </p:nvPr>
-        </p:nvSpPr>
-        <p:spPr>
-          <a:xfrm>
-            <a:off x="269239" y="1189177"/>
-            <a:ext cx="11653523" cy="3355406"/>
-          </a:xfrm>
-        </p:spPr>
-        <p:txBody>
-          <a:bodyPr/>
-          <a:lstStyle/>
-          <a:p>
-            <a:r>
-              <a:rPr lang="ja-JP" altLang="en-US" dirty="0"/>
-              <a:t>資料</a:t>
-            </a:r>
-            <a:br>
-              <a:rPr lang="en-US" altLang="ja-JP" dirty="0"/>
-            </a:br>
-            <a:r>
-              <a:rPr lang="en-US" altLang="ja-JP" dirty="0">
-                <a:hlinkClick r:id="rId2"/>
-              </a:rPr>
-              <a:t>http://bit.ly/decode2017-TL07</a:t>
-            </a:r>
-            <a:endParaRPr lang="en-US" altLang="ja-JP" dirty="0"/>
-          </a:p>
-          <a:p>
-            <a:r>
-              <a:rPr lang="en-US" altLang="ja-JP" dirty="0"/>
-              <a:t>LIVE</a:t>
-            </a:r>
-            <a:br>
-              <a:rPr lang="en-US" altLang="ja-JP" dirty="0"/>
-            </a:br>
-            <a:r>
-              <a:rPr lang="en-US" altLang="ja-JP" dirty="0">
-                <a:hlinkClick r:id="rId3"/>
-              </a:rPr>
-              <a:t>https://github.com/commerble/decode2017</a:t>
-            </a:r>
-            <a:endParaRPr lang="en-US" altLang="ja-JP" dirty="0"/>
-          </a:p>
-          <a:p>
-            <a:endParaRPr lang="en-US" altLang="ja-JP" dirty="0"/>
-          </a:p>
-        </p:txBody>
-      </p:sp>
-      <p:sp>
-        <p:nvSpPr>
           <p:cNvPr id="4" name="タイトル 3"/>
           <p:cNvSpPr>
             <a:spLocks noGrp="1"/>
@@ -12539,10 +12460,43 @@
           </a:p>
         </p:txBody>
       </p:sp>
+      <p:sp>
+        <p:nvSpPr>
+          <p:cNvPr id="5" name="テキスト プレースホルダー 4"/>
+          <p:cNvSpPr>
+            <a:spLocks noGrp="1"/>
+          </p:cNvSpPr>
+          <p:nvPr>
+            <p:ph type="body" sz="quarter" idx="10"/>
+          </p:nvPr>
+        </p:nvSpPr>
+        <p:spPr>
+          <a:xfrm>
+            <a:off x="269239" y="1189177"/>
+            <a:ext cx="11653523" cy="1468351"/>
+          </a:xfrm>
+        </p:spPr>
+        <p:txBody>
+          <a:bodyPr/>
+          <a:lstStyle/>
+          <a:p>
+            <a:r>
+              <a:rPr lang="en-US" altLang="ja-JP" dirty="0">
+                <a:hlinkClick r:id="rId2"/>
+              </a:rPr>
+              <a:t>http://bit.ly/decode2017-tl07</a:t>
+            </a:r>
+            <a:endParaRPr lang="en-US" altLang="ja-JP" dirty="0"/>
+          </a:p>
+          <a:p>
+            <a:endParaRPr lang="en-US" altLang="ja-JP" dirty="0"/>
+          </a:p>
+        </p:txBody>
+      </p:sp>
     </p:spTree>
     <p:extLst>
       <p:ext uri="{BB962C8B-B14F-4D97-AF65-F5344CB8AC3E}">
-        <p14:creationId xmlns:p14="http://schemas.microsoft.com/office/powerpoint/2010/main" val="1454351790"/>
+        <p14:creationId xmlns:p14="http://schemas.microsoft.com/office/powerpoint/2010/main" val="3533777849"/>
       </p:ext>
     </p:extLst>
   </p:cSld>

--- a/TL07.pptx
+++ b/TL07.pptx
@@ -11212,12 +11212,12 @@
           <a:lstStyle/>
           <a:p>
             <a:r>
-              <a:rPr lang="en-US" altLang="ja-JP">
+              <a:rPr lang="en-US" altLang="ja-JP" dirty="0">
                 <a:hlinkClick r:id="rId2"/>
               </a:rPr>
               <a:t>http://bit.ly/decode2017-tl07</a:t>
             </a:r>
-            <a:endParaRPr lang="en-US" altLang="ja-JP"/>
+            <a:endParaRPr lang="en-US" altLang="ja-JP" dirty="0"/>
           </a:p>
           <a:p>
             <a:endParaRPr lang="en-US" altLang="ja-JP" dirty="0"/>
